--- a/Documents/Cybozu連携説明資料.pptx
+++ b/Documents/Cybozu連携説明資料.pptx
@@ -14,9 +14,12 @@
     <p:sldId id="261" r:id="rId8"/>
     <p:sldId id="262" r:id="rId9"/>
     <p:sldId id="263" r:id="rId10"/>
-    <p:sldId id="264" r:id="rId11"/>
-    <p:sldId id="265" r:id="rId12"/>
-    <p:sldId id="278" r:id="rId13"/>
+    <p:sldId id="281" r:id="rId11"/>
+    <p:sldId id="264" r:id="rId12"/>
+    <p:sldId id="265" r:id="rId13"/>
+    <p:sldId id="278" r:id="rId14"/>
+    <p:sldId id="280" r:id="rId15"/>
+    <p:sldId id="282" r:id="rId16"/>
   </p:sldIdLst>
   <p:sldSz cx="12192000" cy="6858000"/>
   <p:notesSz cx="6858000" cy="9144000"/>
@@ -1185,6 +1188,391 @@
       <dsp:cNvGrpSpPr/>
     </dsp:nvGrpSpPr>
     <dsp:grpSpPr/>
+    <dsp:sp modelId="{0244FB6B-FD6E-4AAD-A500-90665411DF5A}">
+      <dsp:nvSpPr>
+        <dsp:cNvPr id="0" name=""/>
+        <dsp:cNvSpPr/>
+      </dsp:nvSpPr>
+      <dsp:spPr>
+        <a:xfrm>
+          <a:off x="103006" y="0"/>
+          <a:ext cx="2381611" cy="954135"/>
+        </a:xfrm>
+        <a:prstGeom prst="roundRect">
+          <a:avLst>
+            <a:gd name="adj" fmla="val 10000"/>
+          </a:avLst>
+        </a:prstGeom>
+        <a:solidFill>
+          <a:schemeClr val="accent2">
+            <a:hueOff val="0"/>
+            <a:satOff val="0"/>
+            <a:lumOff val="0"/>
+            <a:alphaOff val="0"/>
+          </a:schemeClr>
+        </a:solidFill>
+        <a:ln w="25400" cap="flat" cmpd="sng" algn="ctr">
+          <a:solidFill>
+            <a:schemeClr val="lt1">
+              <a:hueOff val="0"/>
+              <a:satOff val="0"/>
+              <a:lumOff val="0"/>
+              <a:alphaOff val="0"/>
+            </a:schemeClr>
+          </a:solidFill>
+          <a:prstDash val="solid"/>
+        </a:ln>
+        <a:effectLst/>
+      </dsp:spPr>
+      <dsp:style>
+        <a:lnRef idx="2">
+          <a:scrgbClr r="0" g="0" b="0"/>
+        </a:lnRef>
+        <a:fillRef idx="1">
+          <a:scrgbClr r="0" g="0" b="0"/>
+        </a:fillRef>
+        <a:effectRef idx="0">
+          <a:scrgbClr r="0" g="0" b="0"/>
+        </a:effectRef>
+        <a:fontRef idx="minor">
+          <a:schemeClr val="lt1"/>
+        </a:fontRef>
+      </dsp:style>
+      <dsp:txBody>
+        <a:bodyPr spcFirstLastPara="0" vert="horz" wrap="square" lIns="68580" tIns="68580" rIns="68580" bIns="68580" numCol="1" spcCol="1270" anchor="ctr" anchorCtr="0">
+          <a:noAutofit/>
+        </a:bodyPr>
+        <a:lstStyle/>
+        <a:p>
+          <a:pPr lvl="0" algn="ctr" defTabSz="800100">
+            <a:lnSpc>
+              <a:spcPct val="90000"/>
+            </a:lnSpc>
+            <a:spcBef>
+              <a:spcPct val="0"/>
+            </a:spcBef>
+            <a:spcAft>
+              <a:spcPct val="35000"/>
+            </a:spcAft>
+          </a:pPr>
+          <a:r>
+            <a:rPr kumimoji="1" lang="en-US" altLang="ja-JP" sz="1800" kern="1200" dirty="0" smtClean="0"/>
+            <a:t>APP</a:t>
+          </a:r>
+          <a:r>
+            <a:rPr kumimoji="1" lang="ja-JP" altLang="en-US" sz="1800" kern="1200" dirty="0" smtClean="0"/>
+            <a:t>対象をつくる</a:t>
+          </a:r>
+          <a:endParaRPr kumimoji="1" lang="ja-JP" altLang="en-US" sz="1800" kern="1200" dirty="0"/>
+        </a:p>
+      </dsp:txBody>
+      <dsp:txXfrm>
+        <a:off x="130952" y="27946"/>
+        <a:ext cx="2325719" cy="898243"/>
+      </dsp:txXfrm>
+    </dsp:sp>
+    <dsp:sp modelId="{AB2D277F-76E1-4D76-9209-30E2C9D413DF}">
+      <dsp:nvSpPr>
+        <dsp:cNvPr id="0" name=""/>
+        <dsp:cNvSpPr/>
+      </dsp:nvSpPr>
+      <dsp:spPr>
+        <a:xfrm rot="5400000">
+          <a:off x="1114912" y="977988"/>
+          <a:ext cx="357800" cy="429360"/>
+        </a:xfrm>
+        <a:prstGeom prst="rightArrow">
+          <a:avLst>
+            <a:gd name="adj1" fmla="val 60000"/>
+            <a:gd name="adj2" fmla="val 50000"/>
+          </a:avLst>
+        </a:prstGeom>
+        <a:solidFill>
+          <a:schemeClr val="accent2">
+            <a:hueOff val="0"/>
+            <a:satOff val="0"/>
+            <a:lumOff val="0"/>
+            <a:alphaOff val="0"/>
+          </a:schemeClr>
+        </a:solidFill>
+        <a:ln>
+          <a:noFill/>
+        </a:ln>
+        <a:effectLst/>
+      </dsp:spPr>
+      <dsp:style>
+        <a:lnRef idx="0">
+          <a:scrgbClr r="0" g="0" b="0"/>
+        </a:lnRef>
+        <a:fillRef idx="1">
+          <a:scrgbClr r="0" g="0" b="0"/>
+        </a:fillRef>
+        <a:effectRef idx="0">
+          <a:scrgbClr r="0" g="0" b="0"/>
+        </a:effectRef>
+        <a:fontRef idx="minor">
+          <a:schemeClr val="lt1"/>
+        </a:fontRef>
+      </dsp:style>
+      <dsp:txBody>
+        <a:bodyPr spcFirstLastPara="0" vert="horz" wrap="square" lIns="0" tIns="0" rIns="0" bIns="0" numCol="1" spcCol="1270" anchor="ctr" anchorCtr="0">
+          <a:noAutofit/>
+        </a:bodyPr>
+        <a:lstStyle/>
+        <a:p>
+          <a:pPr lvl="0" algn="ctr" defTabSz="622300">
+            <a:lnSpc>
+              <a:spcPct val="90000"/>
+            </a:lnSpc>
+            <a:spcBef>
+              <a:spcPct val="0"/>
+            </a:spcBef>
+            <a:spcAft>
+              <a:spcPct val="35000"/>
+            </a:spcAft>
+          </a:pPr>
+          <a:endParaRPr kumimoji="1" lang="ja-JP" altLang="en-US" sz="1400" kern="1200"/>
+        </a:p>
+      </dsp:txBody>
+      <dsp:txXfrm rot="-5400000">
+        <a:off x="1165004" y="1013768"/>
+        <a:ext cx="257616" cy="250460"/>
+      </dsp:txXfrm>
+    </dsp:sp>
+    <dsp:sp modelId="{E30ABF4F-E797-4D18-B559-F0414EB1BD30}">
+      <dsp:nvSpPr>
+        <dsp:cNvPr id="0" name=""/>
+        <dsp:cNvSpPr/>
+      </dsp:nvSpPr>
+      <dsp:spPr>
+        <a:xfrm>
+          <a:off x="103006" y="1431202"/>
+          <a:ext cx="2381611" cy="954135"/>
+        </a:xfrm>
+        <a:prstGeom prst="roundRect">
+          <a:avLst>
+            <a:gd name="adj" fmla="val 10000"/>
+          </a:avLst>
+        </a:prstGeom>
+        <a:solidFill>
+          <a:schemeClr val="accent2">
+            <a:hueOff val="2340759"/>
+            <a:satOff val="-2919"/>
+            <a:lumOff val="686"/>
+            <a:alphaOff val="0"/>
+          </a:schemeClr>
+        </a:solidFill>
+        <a:ln w="25400" cap="flat" cmpd="sng" algn="ctr">
+          <a:solidFill>
+            <a:schemeClr val="lt1">
+              <a:hueOff val="0"/>
+              <a:satOff val="0"/>
+              <a:lumOff val="0"/>
+              <a:alphaOff val="0"/>
+            </a:schemeClr>
+          </a:solidFill>
+          <a:prstDash val="solid"/>
+        </a:ln>
+        <a:effectLst/>
+      </dsp:spPr>
+      <dsp:style>
+        <a:lnRef idx="2">
+          <a:scrgbClr r="0" g="0" b="0"/>
+        </a:lnRef>
+        <a:fillRef idx="1">
+          <a:scrgbClr r="0" g="0" b="0"/>
+        </a:fillRef>
+        <a:effectRef idx="0">
+          <a:scrgbClr r="0" g="0" b="0"/>
+        </a:effectRef>
+        <a:fontRef idx="minor">
+          <a:schemeClr val="lt1"/>
+        </a:fontRef>
+      </dsp:style>
+      <dsp:txBody>
+        <a:bodyPr spcFirstLastPara="0" vert="horz" wrap="square" lIns="68580" tIns="68580" rIns="68580" bIns="68580" numCol="1" spcCol="1270" anchor="ctr" anchorCtr="0">
+          <a:noAutofit/>
+        </a:bodyPr>
+        <a:lstStyle/>
+        <a:p>
+          <a:pPr lvl="0" algn="ctr" defTabSz="800100">
+            <a:lnSpc>
+              <a:spcPct val="90000"/>
+            </a:lnSpc>
+            <a:spcBef>
+              <a:spcPct val="0"/>
+            </a:spcBef>
+            <a:spcAft>
+              <a:spcPct val="35000"/>
+            </a:spcAft>
+          </a:pPr>
+          <a:r>
+            <a:rPr kumimoji="1" lang="en-US" altLang="ja-JP" sz="1800" kern="1200" dirty="0" smtClean="0"/>
+            <a:t>ScheduleEvent</a:t>
+          </a:r>
+          <a:r>
+            <a:rPr kumimoji="1" lang="ja-JP" altLang="en-US" sz="1800" kern="1200" dirty="0" smtClean="0"/>
+            <a:t>を作る</a:t>
+          </a:r>
+          <a:endParaRPr kumimoji="1" lang="ja-JP" altLang="en-US" sz="1800" kern="1200" dirty="0"/>
+        </a:p>
+      </dsp:txBody>
+      <dsp:txXfrm>
+        <a:off x="130952" y="1459148"/>
+        <a:ext cx="2325719" cy="898243"/>
+      </dsp:txXfrm>
+    </dsp:sp>
+    <dsp:sp modelId="{96E590F6-404E-45ED-99F9-6639A1D0E3B6}">
+      <dsp:nvSpPr>
+        <dsp:cNvPr id="0" name=""/>
+        <dsp:cNvSpPr/>
+      </dsp:nvSpPr>
+      <dsp:spPr>
+        <a:xfrm rot="5400000">
+          <a:off x="1114912" y="2409191"/>
+          <a:ext cx="357800" cy="429360"/>
+        </a:xfrm>
+        <a:prstGeom prst="rightArrow">
+          <a:avLst>
+            <a:gd name="adj1" fmla="val 60000"/>
+            <a:gd name="adj2" fmla="val 50000"/>
+          </a:avLst>
+        </a:prstGeom>
+        <a:solidFill>
+          <a:schemeClr val="accent2">
+            <a:hueOff val="4681519"/>
+            <a:satOff val="-5839"/>
+            <a:lumOff val="1373"/>
+            <a:alphaOff val="0"/>
+          </a:schemeClr>
+        </a:solidFill>
+        <a:ln>
+          <a:noFill/>
+        </a:ln>
+        <a:effectLst/>
+      </dsp:spPr>
+      <dsp:style>
+        <a:lnRef idx="0">
+          <a:scrgbClr r="0" g="0" b="0"/>
+        </a:lnRef>
+        <a:fillRef idx="1">
+          <a:scrgbClr r="0" g="0" b="0"/>
+        </a:fillRef>
+        <a:effectRef idx="0">
+          <a:scrgbClr r="0" g="0" b="0"/>
+        </a:effectRef>
+        <a:fontRef idx="minor">
+          <a:schemeClr val="lt1"/>
+        </a:fontRef>
+      </dsp:style>
+      <dsp:txBody>
+        <a:bodyPr spcFirstLastPara="0" vert="horz" wrap="square" lIns="0" tIns="0" rIns="0" bIns="0" numCol="1" spcCol="1270" anchor="ctr" anchorCtr="0">
+          <a:noAutofit/>
+        </a:bodyPr>
+        <a:lstStyle/>
+        <a:p>
+          <a:pPr lvl="0" algn="ctr" defTabSz="622300">
+            <a:lnSpc>
+              <a:spcPct val="90000"/>
+            </a:lnSpc>
+            <a:spcBef>
+              <a:spcPct val="0"/>
+            </a:spcBef>
+            <a:spcAft>
+              <a:spcPct val="35000"/>
+            </a:spcAft>
+          </a:pPr>
+          <a:endParaRPr kumimoji="1" lang="ja-JP" altLang="en-US" sz="1400" kern="1200"/>
+        </a:p>
+      </dsp:txBody>
+      <dsp:txXfrm rot="-5400000">
+        <a:off x="1165004" y="2444971"/>
+        <a:ext cx="257616" cy="250460"/>
+      </dsp:txXfrm>
+    </dsp:sp>
+    <dsp:sp modelId="{A052B71E-2EE5-4D0B-B18A-64F2CC955982}">
+      <dsp:nvSpPr>
+        <dsp:cNvPr id="0" name=""/>
+        <dsp:cNvSpPr/>
+      </dsp:nvSpPr>
+      <dsp:spPr>
+        <a:xfrm>
+          <a:off x="103006" y="2862405"/>
+          <a:ext cx="2381611" cy="954135"/>
+        </a:xfrm>
+        <a:prstGeom prst="roundRect">
+          <a:avLst>
+            <a:gd name="adj" fmla="val 10000"/>
+          </a:avLst>
+        </a:prstGeom>
+        <a:solidFill>
+          <a:schemeClr val="accent2">
+            <a:hueOff val="4681519"/>
+            <a:satOff val="-5839"/>
+            <a:lumOff val="1373"/>
+            <a:alphaOff val="0"/>
+          </a:schemeClr>
+        </a:solidFill>
+        <a:ln w="25400" cap="flat" cmpd="sng" algn="ctr">
+          <a:solidFill>
+            <a:schemeClr val="lt1">
+              <a:hueOff val="0"/>
+              <a:satOff val="0"/>
+              <a:lumOff val="0"/>
+              <a:alphaOff val="0"/>
+            </a:schemeClr>
+          </a:solidFill>
+          <a:prstDash val="solid"/>
+        </a:ln>
+        <a:effectLst/>
+      </dsp:spPr>
+      <dsp:style>
+        <a:lnRef idx="2">
+          <a:scrgbClr r="0" g="0" b="0"/>
+        </a:lnRef>
+        <a:fillRef idx="1">
+          <a:scrgbClr r="0" g="0" b="0"/>
+        </a:fillRef>
+        <a:effectRef idx="0">
+          <a:scrgbClr r="0" g="0" b="0"/>
+        </a:effectRef>
+        <a:fontRef idx="minor">
+          <a:schemeClr val="lt1"/>
+        </a:fontRef>
+      </dsp:style>
+      <dsp:txBody>
+        <a:bodyPr spcFirstLastPara="0" vert="horz" wrap="square" lIns="68580" tIns="68580" rIns="68580" bIns="68580" numCol="1" spcCol="1270" anchor="ctr" anchorCtr="0">
+          <a:noAutofit/>
+        </a:bodyPr>
+        <a:lstStyle/>
+        <a:p>
+          <a:pPr lvl="0" algn="ctr" defTabSz="800100">
+            <a:lnSpc>
+              <a:spcPct val="90000"/>
+            </a:lnSpc>
+            <a:spcBef>
+              <a:spcPct val="0"/>
+            </a:spcBef>
+            <a:spcAft>
+              <a:spcPct val="35000"/>
+            </a:spcAft>
+          </a:pPr>
+          <a:r>
+            <a:rPr kumimoji="1" lang="en-US" altLang="ja-JP" sz="1800" kern="1200" dirty="0" smtClean="0"/>
+            <a:t>Schedule</a:t>
+          </a:r>
+          <a:r>
+            <a:rPr kumimoji="1" lang="ja-JP" altLang="en-US" sz="1800" kern="1200" dirty="0" smtClean="0"/>
+            <a:t>を追加</a:t>
+          </a:r>
+          <a:endParaRPr kumimoji="1" lang="ja-JP" altLang="en-US" sz="1800" kern="1200" dirty="0"/>
+        </a:p>
+      </dsp:txBody>
+      <dsp:txXfrm>
+        <a:off x="130952" y="2890351"/>
+        <a:ext cx="2325719" cy="898243"/>
+      </dsp:txXfrm>
+    </dsp:sp>
   </dsp:spTree>
 </dsp:drawing>
 </file>
@@ -5367,6 +5755,86 @@
       </p:grpSpPr>
       <p:sp>
         <p:nvSpPr>
+          <p:cNvPr id="4" name="タイトル 3"/>
+          <p:cNvSpPr>
+            <a:spLocks noGrp="1"/>
+          </p:cNvSpPr>
+          <p:nvPr>
+            <p:ph type="title"/>
+          </p:nvPr>
+        </p:nvSpPr>
+        <p:spPr/>
+        <p:txBody>
+          <a:bodyPr/>
+          <a:lstStyle/>
+          <a:p>
+            <a:r>
+              <a:rPr kumimoji="1" lang="en-US" altLang="ja-JP" dirty="0" smtClean="0"/>
+              <a:t>Schedule</a:t>
+            </a:r>
+            <a:r>
+              <a:rPr lang="ja-JP" altLang="en-US" dirty="0" smtClean="0"/>
+              <a:t> </a:t>
+            </a:r>
+            <a:r>
+              <a:rPr kumimoji="1" lang="ja-JP" altLang="en-US" dirty="0" smtClean="0"/>
+              <a:t>機能</a:t>
+            </a:r>
+            <a:endParaRPr kumimoji="1" lang="ja-JP" altLang="en-US" dirty="0"/>
+          </a:p>
+        </p:txBody>
+      </p:sp>
+      <p:sp>
+        <p:nvSpPr>
+          <p:cNvPr id="5" name="テキスト プレースホルダー 4"/>
+          <p:cNvSpPr>
+            <a:spLocks noGrp="1"/>
+          </p:cNvSpPr>
+          <p:nvPr>
+            <p:ph type="body" idx="1"/>
+          </p:nvPr>
+        </p:nvSpPr>
+        <p:spPr/>
+        <p:txBody>
+          <a:bodyPr/>
+          <a:lstStyle/>
+          <a:p>
+            <a:endParaRPr kumimoji="1" lang="ja-JP" altLang="en-US"/>
+          </a:p>
+        </p:txBody>
+      </p:sp>
+    </p:spTree>
+    <p:extLst>
+      <p:ext uri="{BB962C8B-B14F-4D97-AF65-F5344CB8AC3E}">
+        <p14:creationId xmlns:p14="http://schemas.microsoft.com/office/powerpoint/2010/main" val="3520307402"/>
+      </p:ext>
+    </p:extLst>
+  </p:cSld>
+  <p:clrMapOvr>
+    <a:masterClrMapping/>
+  </p:clrMapOvr>
+</p:sld>
+</file>
+
+<file path=ppt/slides/slide11.xml><?xml version="1.0" encoding="utf-8"?>
+<p:sld xmlns:a="http://schemas.openxmlformats.org/drawingml/2006/main" xmlns:r="http://schemas.openxmlformats.org/officeDocument/2006/relationships" xmlns:p="http://schemas.openxmlformats.org/presentationml/2006/main">
+  <p:cSld>
+    <p:spTree>
+      <p:nvGrpSpPr>
+        <p:cNvPr id="1" name=""/>
+        <p:cNvGrpSpPr/>
+        <p:nvPr/>
+      </p:nvGrpSpPr>
+      <p:grpSpPr>
+        <a:xfrm>
+          <a:off x="0" y="0"/>
+          <a:ext cx="0" cy="0"/>
+          <a:chOff x="0" y="0"/>
+          <a:chExt cx="0" cy="0"/>
+        </a:xfrm>
+      </p:grpSpPr>
+      <p:sp>
+        <p:nvSpPr>
           <p:cNvPr id="2" name="タイトル 1"/>
           <p:cNvSpPr>
             <a:spLocks noGrp="1"/>
@@ -5681,7 +6149,7 @@
 </p:sld>
 </file>
 
-<file path=ppt/slides/slide11.xml><?xml version="1.0" encoding="utf-8"?>
+<file path=ppt/slides/slide12.xml><?xml version="1.0" encoding="utf-8"?>
 <p:sld xmlns:a="http://schemas.openxmlformats.org/drawingml/2006/main" xmlns:r="http://schemas.openxmlformats.org/officeDocument/2006/relationships" xmlns:p="http://schemas.openxmlformats.org/presentationml/2006/main">
   <p:cSld>
     <p:spTree>
@@ -6984,7 +7452,7 @@
 </p:sld>
 </file>
 
-<file path=ppt/slides/slide12.xml><?xml version="1.0" encoding="utf-8"?>
+<file path=ppt/slides/slide13.xml><?xml version="1.0" encoding="utf-8"?>
 <p:sld xmlns:a="http://schemas.openxmlformats.org/drawingml/2006/main" xmlns:r="http://schemas.openxmlformats.org/officeDocument/2006/relationships" xmlns:p="http://schemas.openxmlformats.org/presentationml/2006/main">
   <p:cSld>
     <p:spTree>
@@ -7862,6 +8330,657 @@
     <p:extLst>
       <p:ext uri="{BB962C8B-B14F-4D97-AF65-F5344CB8AC3E}">
         <p14:creationId xmlns:p14="http://schemas.microsoft.com/office/powerpoint/2010/main" val="1892423662"/>
+      </p:ext>
+    </p:extLst>
+  </p:cSld>
+  <p:clrMapOvr>
+    <a:masterClrMapping/>
+  </p:clrMapOvr>
+</p:sld>
+</file>
+
+<file path=ppt/slides/slide14.xml><?xml version="1.0" encoding="utf-8"?>
+<p:sld xmlns:a="http://schemas.openxmlformats.org/drawingml/2006/main" xmlns:r="http://schemas.openxmlformats.org/officeDocument/2006/relationships" xmlns:p="http://schemas.openxmlformats.org/presentationml/2006/main">
+  <p:cSld>
+    <p:spTree>
+      <p:nvGrpSpPr>
+        <p:cNvPr id="1" name=""/>
+        <p:cNvGrpSpPr/>
+        <p:nvPr/>
+      </p:nvGrpSpPr>
+      <p:grpSpPr>
+        <a:xfrm>
+          <a:off x="0" y="0"/>
+          <a:ext cx="0" cy="0"/>
+          <a:chOff x="0" y="0"/>
+          <a:chExt cx="0" cy="0"/>
+        </a:xfrm>
+      </p:grpSpPr>
+      <p:sp>
+        <p:nvSpPr>
+          <p:cNvPr id="4" name="タイトル 3"/>
+          <p:cNvSpPr>
+            <a:spLocks noGrp="1"/>
+          </p:cNvSpPr>
+          <p:nvPr>
+            <p:ph type="title"/>
+          </p:nvPr>
+        </p:nvSpPr>
+        <p:spPr/>
+        <p:txBody>
+          <a:bodyPr/>
+          <a:lstStyle/>
+          <a:p>
+            <a:r>
+              <a:rPr kumimoji="1" lang="en-US" altLang="ja-JP" dirty="0" smtClean="0"/>
+              <a:t>Message</a:t>
+            </a:r>
+            <a:r>
+              <a:rPr lang="ja-JP" altLang="en-US" dirty="0"/>
+              <a:t> </a:t>
+            </a:r>
+            <a:r>
+              <a:rPr lang="ja-JP" altLang="en-US" dirty="0" smtClean="0"/>
+              <a:t>送受信機能</a:t>
+            </a:r>
+            <a:endParaRPr kumimoji="1" lang="ja-JP" altLang="en-US" dirty="0"/>
+          </a:p>
+        </p:txBody>
+      </p:sp>
+      <p:sp>
+        <p:nvSpPr>
+          <p:cNvPr id="5" name="テキスト プレースホルダー 4"/>
+          <p:cNvSpPr>
+            <a:spLocks noGrp="1"/>
+          </p:cNvSpPr>
+          <p:nvPr>
+            <p:ph type="body" idx="1"/>
+          </p:nvPr>
+        </p:nvSpPr>
+        <p:spPr/>
+        <p:txBody>
+          <a:bodyPr/>
+          <a:lstStyle/>
+          <a:p>
+            <a:endParaRPr kumimoji="1" lang="ja-JP" altLang="en-US"/>
+          </a:p>
+        </p:txBody>
+      </p:sp>
+    </p:spTree>
+    <p:extLst>
+      <p:ext uri="{BB962C8B-B14F-4D97-AF65-F5344CB8AC3E}">
+        <p14:creationId xmlns:p14="http://schemas.microsoft.com/office/powerpoint/2010/main" val="214599449"/>
+      </p:ext>
+    </p:extLst>
+  </p:cSld>
+  <p:clrMapOvr>
+    <a:masterClrMapping/>
+  </p:clrMapOvr>
+</p:sld>
+</file>
+
+<file path=ppt/slides/slide15.xml><?xml version="1.0" encoding="utf-8"?>
+<p:sld xmlns:a="http://schemas.openxmlformats.org/drawingml/2006/main" xmlns:r="http://schemas.openxmlformats.org/officeDocument/2006/relationships" xmlns:p="http://schemas.openxmlformats.org/presentationml/2006/main">
+  <p:cSld>
+    <p:spTree>
+      <p:nvGrpSpPr>
+        <p:cNvPr id="1" name=""/>
+        <p:cNvGrpSpPr/>
+        <p:nvPr/>
+      </p:nvGrpSpPr>
+      <p:grpSpPr>
+        <a:xfrm>
+          <a:off x="0" y="0"/>
+          <a:ext cx="0" cy="0"/>
+          <a:chOff x="0" y="0"/>
+          <a:chExt cx="0" cy="0"/>
+        </a:xfrm>
+      </p:grpSpPr>
+      <p:sp>
+        <p:nvSpPr>
+          <p:cNvPr id="4" name="タイトル 3"/>
+          <p:cNvSpPr>
+            <a:spLocks noGrp="1"/>
+          </p:cNvSpPr>
+          <p:nvPr>
+            <p:ph type="title"/>
+          </p:nvPr>
+        </p:nvSpPr>
+        <p:spPr/>
+        <p:txBody>
+          <a:bodyPr/>
+          <a:lstStyle/>
+          <a:p>
+            <a:r>
+              <a:rPr kumimoji="1" lang="en-US" altLang="ja-JP" dirty="0" err="1" smtClean="0"/>
+              <a:t>MessageThread</a:t>
+            </a:r>
+            <a:endParaRPr kumimoji="1" lang="ja-JP" altLang="en-US" dirty="0"/>
+          </a:p>
+        </p:txBody>
+      </p:sp>
+      <p:pic>
+        <p:nvPicPr>
+          <p:cNvPr id="6" name="図 5"/>
+          <p:cNvPicPr>
+            <a:picLocks noChangeAspect="1"/>
+          </p:cNvPicPr>
+          <p:nvPr/>
+        </p:nvPicPr>
+        <p:blipFill>
+          <a:blip r:embed="rId2"/>
+          <a:stretch>
+            <a:fillRect/>
+          </a:stretch>
+        </p:blipFill>
+        <p:spPr>
+          <a:xfrm>
+            <a:off x="319037" y="1354717"/>
+            <a:ext cx="5342623" cy="4654075"/>
+          </a:xfrm>
+          <a:prstGeom prst="rect">
+            <a:avLst/>
+          </a:prstGeom>
+        </p:spPr>
+      </p:pic>
+      <p:pic>
+        <p:nvPicPr>
+          <p:cNvPr id="8" name="図 7"/>
+          <p:cNvPicPr>
+            <a:picLocks noChangeAspect="1"/>
+          </p:cNvPicPr>
+          <p:nvPr/>
+        </p:nvPicPr>
+        <p:blipFill>
+          <a:blip r:embed="rId3"/>
+          <a:stretch>
+            <a:fillRect/>
+          </a:stretch>
+        </p:blipFill>
+        <p:spPr>
+          <a:xfrm>
+            <a:off x="5867400" y="1354717"/>
+            <a:ext cx="6163299" cy="4367903"/>
+          </a:xfrm>
+          <a:prstGeom prst="rect">
+            <a:avLst/>
+          </a:prstGeom>
+        </p:spPr>
+      </p:pic>
+      <p:sp>
+        <p:nvSpPr>
+          <p:cNvPr id="9" name="正方形/長方形 8"/>
+          <p:cNvSpPr/>
+          <p:nvPr/>
+        </p:nvSpPr>
+        <p:spPr>
+          <a:xfrm>
+            <a:off x="899160" y="1369957"/>
+            <a:ext cx="2720340" cy="207383"/>
+          </a:xfrm>
+          <a:prstGeom prst="rect">
+            <a:avLst/>
+          </a:prstGeom>
+          <a:noFill/>
+          <a:ln>
+            <a:solidFill>
+              <a:srgbClr val="FF0000"/>
+            </a:solidFill>
+          </a:ln>
+        </p:spPr>
+        <p:style>
+          <a:lnRef idx="2">
+            <a:schemeClr val="accent1">
+              <a:shade val="50000"/>
+            </a:schemeClr>
+          </a:lnRef>
+          <a:fillRef idx="1">
+            <a:schemeClr val="accent1"/>
+          </a:fillRef>
+          <a:effectRef idx="0">
+            <a:schemeClr val="accent1"/>
+          </a:effectRef>
+          <a:fontRef idx="minor">
+            <a:schemeClr val="lt1"/>
+          </a:fontRef>
+        </p:style>
+        <p:txBody>
+          <a:bodyPr rtlCol="0" anchor="ctr"/>
+          <a:lstStyle/>
+          <a:p>
+            <a:pPr algn="ctr"/>
+            <a:endParaRPr kumimoji="1" lang="ja-JP" altLang="en-US"/>
+          </a:p>
+        </p:txBody>
+      </p:sp>
+      <p:sp>
+        <p:nvSpPr>
+          <p:cNvPr id="12" name="正方形/長方形 11"/>
+          <p:cNvSpPr/>
+          <p:nvPr/>
+        </p:nvSpPr>
+        <p:spPr>
+          <a:xfrm>
+            <a:off x="899160" y="1659517"/>
+            <a:ext cx="3299460" cy="1281803"/>
+          </a:xfrm>
+          <a:prstGeom prst="rect">
+            <a:avLst/>
+          </a:prstGeom>
+          <a:noFill/>
+          <a:ln>
+            <a:solidFill>
+              <a:srgbClr val="FF0000"/>
+            </a:solidFill>
+          </a:ln>
+        </p:spPr>
+        <p:style>
+          <a:lnRef idx="2">
+            <a:schemeClr val="accent1">
+              <a:shade val="50000"/>
+            </a:schemeClr>
+          </a:lnRef>
+          <a:fillRef idx="1">
+            <a:schemeClr val="accent1"/>
+          </a:fillRef>
+          <a:effectRef idx="0">
+            <a:schemeClr val="accent1"/>
+          </a:effectRef>
+          <a:fontRef idx="minor">
+            <a:schemeClr val="lt1"/>
+          </a:fontRef>
+        </p:style>
+        <p:txBody>
+          <a:bodyPr rtlCol="0" anchor="ctr"/>
+          <a:lstStyle/>
+          <a:p>
+            <a:pPr algn="ctr"/>
+            <a:endParaRPr kumimoji="1" lang="ja-JP" altLang="en-US"/>
+          </a:p>
+        </p:txBody>
+      </p:sp>
+      <p:sp>
+        <p:nvSpPr>
+          <p:cNvPr id="13" name="正方形/長方形 12"/>
+          <p:cNvSpPr/>
+          <p:nvPr/>
+        </p:nvSpPr>
+        <p:spPr>
+          <a:xfrm>
+            <a:off x="899160" y="3538668"/>
+            <a:ext cx="1431290" cy="1281803"/>
+          </a:xfrm>
+          <a:prstGeom prst="rect">
+            <a:avLst/>
+          </a:prstGeom>
+          <a:noFill/>
+          <a:ln>
+            <a:solidFill>
+              <a:srgbClr val="FF0000"/>
+            </a:solidFill>
+          </a:ln>
+        </p:spPr>
+        <p:style>
+          <a:lnRef idx="2">
+            <a:schemeClr val="accent1">
+              <a:shade val="50000"/>
+            </a:schemeClr>
+          </a:lnRef>
+          <a:fillRef idx="1">
+            <a:schemeClr val="accent1"/>
+          </a:fillRef>
+          <a:effectRef idx="0">
+            <a:schemeClr val="accent1"/>
+          </a:effectRef>
+          <a:fontRef idx="minor">
+            <a:schemeClr val="lt1"/>
+          </a:fontRef>
+        </p:style>
+        <p:txBody>
+          <a:bodyPr rtlCol="0" anchor="ctr"/>
+          <a:lstStyle/>
+          <a:p>
+            <a:pPr algn="ctr"/>
+            <a:endParaRPr kumimoji="1" lang="ja-JP" altLang="en-US"/>
+          </a:p>
+        </p:txBody>
+      </p:sp>
+      <p:sp>
+        <p:nvSpPr>
+          <p:cNvPr id="14" name="正方形/長方形 13"/>
+          <p:cNvSpPr/>
+          <p:nvPr/>
+        </p:nvSpPr>
+        <p:spPr>
+          <a:xfrm>
+            <a:off x="6419428" y="2750821"/>
+            <a:ext cx="2160692" cy="335279"/>
+          </a:xfrm>
+          <a:prstGeom prst="rect">
+            <a:avLst/>
+          </a:prstGeom>
+          <a:noFill/>
+          <a:ln>
+            <a:solidFill>
+              <a:srgbClr val="FF0000"/>
+            </a:solidFill>
+          </a:ln>
+        </p:spPr>
+        <p:style>
+          <a:lnRef idx="2">
+            <a:schemeClr val="accent1">
+              <a:shade val="50000"/>
+            </a:schemeClr>
+          </a:lnRef>
+          <a:fillRef idx="1">
+            <a:schemeClr val="accent1"/>
+          </a:fillRef>
+          <a:effectRef idx="0">
+            <a:schemeClr val="accent1"/>
+          </a:effectRef>
+          <a:fontRef idx="minor">
+            <a:schemeClr val="lt1"/>
+          </a:fontRef>
+        </p:style>
+        <p:txBody>
+          <a:bodyPr rtlCol="0" anchor="ctr"/>
+          <a:lstStyle/>
+          <a:p>
+            <a:pPr algn="ctr"/>
+            <a:endParaRPr kumimoji="1" lang="ja-JP" altLang="en-US"/>
+          </a:p>
+        </p:txBody>
+      </p:sp>
+      <p:sp>
+        <p:nvSpPr>
+          <p:cNvPr id="15" name="正方形/長方形 14"/>
+          <p:cNvSpPr/>
+          <p:nvPr/>
+        </p:nvSpPr>
+        <p:spPr>
+          <a:xfrm>
+            <a:off x="6419428" y="3733802"/>
+            <a:ext cx="4560992" cy="307974"/>
+          </a:xfrm>
+          <a:prstGeom prst="rect">
+            <a:avLst/>
+          </a:prstGeom>
+          <a:noFill/>
+          <a:ln>
+            <a:solidFill>
+              <a:srgbClr val="FF0000"/>
+            </a:solidFill>
+          </a:ln>
+        </p:spPr>
+        <p:style>
+          <a:lnRef idx="2">
+            <a:schemeClr val="accent1">
+              <a:shade val="50000"/>
+            </a:schemeClr>
+          </a:lnRef>
+          <a:fillRef idx="1">
+            <a:schemeClr val="accent1"/>
+          </a:fillRef>
+          <a:effectRef idx="0">
+            <a:schemeClr val="accent1"/>
+          </a:effectRef>
+          <a:fontRef idx="minor">
+            <a:schemeClr val="lt1"/>
+          </a:fontRef>
+        </p:style>
+        <p:txBody>
+          <a:bodyPr rtlCol="0" anchor="ctr"/>
+          <a:lstStyle/>
+          <a:p>
+            <a:pPr algn="ctr"/>
+            <a:endParaRPr kumimoji="1" lang="ja-JP" altLang="en-US"/>
+          </a:p>
+        </p:txBody>
+      </p:sp>
+      <p:sp>
+        <p:nvSpPr>
+          <p:cNvPr id="16" name="正方形/長方形 15"/>
+          <p:cNvSpPr/>
+          <p:nvPr/>
+        </p:nvSpPr>
+        <p:spPr>
+          <a:xfrm>
+            <a:off x="6419428" y="4041776"/>
+            <a:ext cx="4560992" cy="332105"/>
+          </a:xfrm>
+          <a:prstGeom prst="rect">
+            <a:avLst/>
+          </a:prstGeom>
+          <a:noFill/>
+          <a:ln>
+            <a:solidFill>
+              <a:srgbClr val="FF0000"/>
+            </a:solidFill>
+          </a:ln>
+        </p:spPr>
+        <p:style>
+          <a:lnRef idx="2">
+            <a:schemeClr val="accent1">
+              <a:shade val="50000"/>
+            </a:schemeClr>
+          </a:lnRef>
+          <a:fillRef idx="1">
+            <a:schemeClr val="accent1"/>
+          </a:fillRef>
+          <a:effectRef idx="0">
+            <a:schemeClr val="accent1"/>
+          </a:effectRef>
+          <a:fontRef idx="minor">
+            <a:schemeClr val="lt1"/>
+          </a:fontRef>
+        </p:style>
+        <p:txBody>
+          <a:bodyPr rtlCol="0" anchor="ctr"/>
+          <a:lstStyle/>
+          <a:p>
+            <a:pPr algn="ctr"/>
+            <a:endParaRPr kumimoji="1" lang="ja-JP" altLang="en-US"/>
+          </a:p>
+        </p:txBody>
+      </p:sp>
+      <p:sp>
+        <p:nvSpPr>
+          <p:cNvPr id="19" name="テキスト ボックス 18"/>
+          <p:cNvSpPr txBox="1"/>
+          <p:nvPr/>
+        </p:nvSpPr>
+        <p:spPr>
+          <a:xfrm>
+            <a:off x="2807984" y="1310651"/>
+            <a:ext cx="750526" cy="307777"/>
+          </a:xfrm>
+          <a:prstGeom prst="rect">
+            <a:avLst/>
+          </a:prstGeom>
+          <a:noFill/>
+        </p:spPr>
+        <p:txBody>
+          <a:bodyPr wrap="none" rtlCol="0">
+            <a:spAutoFit/>
+          </a:bodyPr>
+          <a:lstStyle/>
+          <a:p>
+            <a:r>
+              <a:rPr kumimoji="1" lang="en-US" altLang="ja-JP" sz="1400" dirty="0" smtClean="0">
+                <a:solidFill>
+                  <a:srgbClr val="FF0000"/>
+                </a:solidFill>
+              </a:rPr>
+              <a:t>subject</a:t>
+            </a:r>
+            <a:endParaRPr kumimoji="1" lang="ja-JP" altLang="en-US" sz="1400" dirty="0">
+              <a:solidFill>
+                <a:srgbClr val="FF0000"/>
+              </a:solidFill>
+            </a:endParaRPr>
+          </a:p>
+        </p:txBody>
+      </p:sp>
+      <p:sp>
+        <p:nvSpPr>
+          <p:cNvPr id="20" name="テキスト ボックス 19"/>
+          <p:cNvSpPr txBox="1"/>
+          <p:nvPr/>
+        </p:nvSpPr>
+        <p:spPr>
+          <a:xfrm>
+            <a:off x="2868974" y="2146529"/>
+            <a:ext cx="790794" cy="307777"/>
+          </a:xfrm>
+          <a:prstGeom prst="rect">
+            <a:avLst/>
+          </a:prstGeom>
+          <a:noFill/>
+        </p:spPr>
+        <p:txBody>
+          <a:bodyPr wrap="none" rtlCol="0">
+            <a:spAutoFit/>
+          </a:bodyPr>
+          <a:lstStyle/>
+          <a:p>
+            <a:r>
+              <a:rPr kumimoji="1" lang="en-US" altLang="ja-JP" sz="1400" dirty="0" smtClean="0">
+                <a:solidFill>
+                  <a:srgbClr val="FF0000"/>
+                </a:solidFill>
+              </a:rPr>
+              <a:t>content</a:t>
+            </a:r>
+            <a:endParaRPr kumimoji="1" lang="ja-JP" altLang="en-US" sz="1400" dirty="0">
+              <a:solidFill>
+                <a:srgbClr val="FF0000"/>
+              </a:solidFill>
+            </a:endParaRPr>
+          </a:p>
+        </p:txBody>
+      </p:sp>
+      <p:sp>
+        <p:nvSpPr>
+          <p:cNvPr id="21" name="テキスト ボックス 20"/>
+          <p:cNvSpPr txBox="1"/>
+          <p:nvPr/>
+        </p:nvSpPr>
+        <p:spPr>
+          <a:xfrm>
+            <a:off x="1135424" y="3887789"/>
+            <a:ext cx="985398" cy="307777"/>
+          </a:xfrm>
+          <a:prstGeom prst="rect">
+            <a:avLst/>
+          </a:prstGeom>
+          <a:noFill/>
+        </p:spPr>
+        <p:txBody>
+          <a:bodyPr wrap="none" rtlCol="0">
+            <a:spAutoFit/>
+          </a:bodyPr>
+          <a:lstStyle/>
+          <a:p>
+            <a:r>
+              <a:rPr kumimoji="1" lang="en-US" altLang="ja-JP" sz="1400" dirty="0" smtClean="0">
+                <a:solidFill>
+                  <a:srgbClr val="FF0000"/>
+                </a:solidFill>
+              </a:rPr>
+              <a:t>addressee</a:t>
+            </a:r>
+            <a:endParaRPr kumimoji="1" lang="ja-JP" altLang="en-US" sz="1400" dirty="0">
+              <a:solidFill>
+                <a:srgbClr val="FF0000"/>
+              </a:solidFill>
+            </a:endParaRPr>
+          </a:p>
+        </p:txBody>
+      </p:sp>
+      <p:sp>
+        <p:nvSpPr>
+          <p:cNvPr id="22" name="正方形/長方形 21"/>
+          <p:cNvSpPr/>
+          <p:nvPr/>
+        </p:nvSpPr>
+        <p:spPr>
+          <a:xfrm>
+            <a:off x="2767330" y="3834155"/>
+            <a:ext cx="1431290" cy="934696"/>
+          </a:xfrm>
+          <a:prstGeom prst="rect">
+            <a:avLst/>
+          </a:prstGeom>
+          <a:noFill/>
+          <a:ln>
+            <a:solidFill>
+              <a:srgbClr val="FF0000"/>
+            </a:solidFill>
+          </a:ln>
+        </p:spPr>
+        <p:style>
+          <a:lnRef idx="2">
+            <a:schemeClr val="accent1">
+              <a:shade val="50000"/>
+            </a:schemeClr>
+          </a:lnRef>
+          <a:fillRef idx="1">
+            <a:schemeClr val="accent1"/>
+          </a:fillRef>
+          <a:effectRef idx="0">
+            <a:schemeClr val="accent1"/>
+          </a:effectRef>
+          <a:fontRef idx="minor">
+            <a:schemeClr val="lt1"/>
+          </a:fontRef>
+        </p:style>
+        <p:txBody>
+          <a:bodyPr rtlCol="0" anchor="ctr"/>
+          <a:lstStyle/>
+          <a:p>
+            <a:pPr algn="ctr"/>
+            <a:endParaRPr kumimoji="1" lang="ja-JP" altLang="en-US"/>
+          </a:p>
+        </p:txBody>
+      </p:sp>
+      <p:sp>
+        <p:nvSpPr>
+          <p:cNvPr id="23" name="テキスト ボックス 22"/>
+          <p:cNvSpPr txBox="1"/>
+          <p:nvPr/>
+        </p:nvSpPr>
+        <p:spPr>
+          <a:xfrm>
+            <a:off x="3482975" y="4716266"/>
+            <a:ext cx="1806905" cy="369332"/>
+          </a:xfrm>
+          <a:prstGeom prst="rect">
+            <a:avLst/>
+          </a:prstGeom>
+          <a:noFill/>
+        </p:spPr>
+        <p:txBody>
+          <a:bodyPr wrap="none" rtlCol="0">
+            <a:spAutoFit/>
+          </a:bodyPr>
+          <a:lstStyle/>
+          <a:p>
+            <a:r>
+              <a:rPr kumimoji="1" lang="en-US" altLang="ja-JP" dirty="0" smtClean="0"/>
+              <a:t>Base</a:t>
+            </a:r>
+            <a:r>
+              <a:rPr kumimoji="1" lang="ja-JP" altLang="en-US" dirty="0" smtClean="0"/>
+              <a:t>より、取得</a:t>
+            </a:r>
+            <a:endParaRPr kumimoji="1" lang="ja-JP" altLang="en-US" dirty="0"/>
+          </a:p>
+        </p:txBody>
+      </p:sp>
+    </p:spTree>
+    <p:extLst>
+      <p:ext uri="{BB962C8B-B14F-4D97-AF65-F5344CB8AC3E}">
+        <p14:creationId xmlns:p14="http://schemas.microsoft.com/office/powerpoint/2010/main" val="3306063377"/>
       </p:ext>
     </p:extLst>
   </p:cSld>
